--- a/RGUHack25 Presentation by Sonica.pptx
+++ b/RGUHack25 Presentation by Sonica.pptx
@@ -8,9 +8,10 @@
     <p:sldId id="256" r:id="rId2"/>
     <p:sldId id="257" r:id="rId3"/>
     <p:sldId id="258" r:id="rId4"/>
-    <p:sldId id="259" r:id="rId5"/>
-    <p:sldId id="261" r:id="rId6"/>
-    <p:sldId id="262" r:id="rId7"/>
+    <p:sldId id="263" r:id="rId5"/>
+    <p:sldId id="265" r:id="rId6"/>
+    <p:sldId id="259" r:id="rId7"/>
+    <p:sldId id="262" r:id="rId8"/>
   </p:sldIdLst>
   <p:sldSz cx="12192000" cy="6858000"/>
   <p:notesSz cx="6858000" cy="9144000"/>
@@ -109,6 +110,11 @@
       </a:defRPr>
     </a:lvl9pPr>
   </p:defaultTextStyle>
+  <p:extLst>
+    <p:ext uri="{EFAFB233-063F-42B5-8137-9DF3F51BA10A}">
+      <p15:sldGuideLst xmlns:p15="http://schemas.microsoft.com/office/powerpoint/2012/main"/>
+    </p:ext>
+  </p:extLst>
 </p:presentation>
 </file>
 
@@ -261,7 +267,7 @@
           <a:p>
             <a:fld id="{B909E9E7-3D9F-4125-877C-07E5E009C119}" type="datetimeFigureOut">
               <a:rPr lang="en-GB" smtClean="0"/>
-              <a:t>22/02/2025</a:t>
+              <a:t>23/02/2025</a:t>
             </a:fld>
             <a:endParaRPr lang="en-GB"/>
           </a:p>
@@ -461,7 +467,7 @@
           <a:p>
             <a:fld id="{B909E9E7-3D9F-4125-877C-07E5E009C119}" type="datetimeFigureOut">
               <a:rPr lang="en-GB" smtClean="0"/>
-              <a:t>22/02/2025</a:t>
+              <a:t>23/02/2025</a:t>
             </a:fld>
             <a:endParaRPr lang="en-GB"/>
           </a:p>
@@ -671,7 +677,7 @@
           <a:p>
             <a:fld id="{B909E9E7-3D9F-4125-877C-07E5E009C119}" type="datetimeFigureOut">
               <a:rPr lang="en-GB" smtClean="0"/>
-              <a:t>22/02/2025</a:t>
+              <a:t>23/02/2025</a:t>
             </a:fld>
             <a:endParaRPr lang="en-GB"/>
           </a:p>
@@ -871,7 +877,7 @@
           <a:p>
             <a:fld id="{B909E9E7-3D9F-4125-877C-07E5E009C119}" type="datetimeFigureOut">
               <a:rPr lang="en-GB" smtClean="0"/>
-              <a:t>22/02/2025</a:t>
+              <a:t>23/02/2025</a:t>
             </a:fld>
             <a:endParaRPr lang="en-GB"/>
           </a:p>
@@ -1147,7 +1153,7 @@
           <a:p>
             <a:fld id="{B909E9E7-3D9F-4125-877C-07E5E009C119}" type="datetimeFigureOut">
               <a:rPr lang="en-GB" smtClean="0"/>
-              <a:t>22/02/2025</a:t>
+              <a:t>23/02/2025</a:t>
             </a:fld>
             <a:endParaRPr lang="en-GB"/>
           </a:p>
@@ -1415,7 +1421,7 @@
           <a:p>
             <a:fld id="{B909E9E7-3D9F-4125-877C-07E5E009C119}" type="datetimeFigureOut">
               <a:rPr lang="en-GB" smtClean="0"/>
-              <a:t>22/02/2025</a:t>
+              <a:t>23/02/2025</a:t>
             </a:fld>
             <a:endParaRPr lang="en-GB"/>
           </a:p>
@@ -1830,7 +1836,7 @@
           <a:p>
             <a:fld id="{B909E9E7-3D9F-4125-877C-07E5E009C119}" type="datetimeFigureOut">
               <a:rPr lang="en-GB" smtClean="0"/>
-              <a:t>22/02/2025</a:t>
+              <a:t>23/02/2025</a:t>
             </a:fld>
             <a:endParaRPr lang="en-GB"/>
           </a:p>
@@ -1972,7 +1978,7 @@
           <a:p>
             <a:fld id="{B909E9E7-3D9F-4125-877C-07E5E009C119}" type="datetimeFigureOut">
               <a:rPr lang="en-GB" smtClean="0"/>
-              <a:t>22/02/2025</a:t>
+              <a:t>23/02/2025</a:t>
             </a:fld>
             <a:endParaRPr lang="en-GB"/>
           </a:p>
@@ -2085,7 +2091,7 @@
           <a:p>
             <a:fld id="{B909E9E7-3D9F-4125-877C-07E5E009C119}" type="datetimeFigureOut">
               <a:rPr lang="en-GB" smtClean="0"/>
-              <a:t>22/02/2025</a:t>
+              <a:t>23/02/2025</a:t>
             </a:fld>
             <a:endParaRPr lang="en-GB"/>
           </a:p>
@@ -2398,7 +2404,7 @@
           <a:p>
             <a:fld id="{B909E9E7-3D9F-4125-877C-07E5E009C119}" type="datetimeFigureOut">
               <a:rPr lang="en-GB" smtClean="0"/>
-              <a:t>22/02/2025</a:t>
+              <a:t>23/02/2025</a:t>
             </a:fld>
             <a:endParaRPr lang="en-GB"/>
           </a:p>
@@ -2687,7 +2693,7 @@
           <a:p>
             <a:fld id="{B909E9E7-3D9F-4125-877C-07E5E009C119}" type="datetimeFigureOut">
               <a:rPr lang="en-GB" smtClean="0"/>
-              <a:t>22/02/2025</a:t>
+              <a:t>23/02/2025</a:t>
             </a:fld>
             <a:endParaRPr lang="en-GB"/>
           </a:p>
@@ -2930,7 +2936,7 @@
           <a:p>
             <a:fld id="{B909E9E7-3D9F-4125-877C-07E5E009C119}" type="datetimeFigureOut">
               <a:rPr lang="en-GB" smtClean="0"/>
-              <a:t>22/02/2025</a:t>
+              <a:t>23/02/2025</a:t>
             </a:fld>
             <a:endParaRPr lang="en-GB"/>
           </a:p>
@@ -3404,13 +3410,13 @@
         </p:nvSpPr>
         <p:spPr>
           <a:xfrm>
-            <a:off x="965200" y="965200"/>
+            <a:off x="965200" y="1335069"/>
             <a:ext cx="10261600" cy="3564869"/>
           </a:xfrm>
         </p:spPr>
         <p:txBody>
           <a:bodyPr>
-            <a:normAutofit/>
+            <a:normAutofit fontScale="90000"/>
           </a:bodyPr>
           <a:lstStyle/>
           <a:p>
@@ -3425,7 +3431,7 @@
                 </a:ln>
                 <a:noFill/>
               </a:rPr>
-              <a:t>Unnamed project (Core29)</a:t>
+              <a:t>Wildlife Conservation (Core29)</a:t>
             </a:r>
           </a:p>
         </p:txBody>
@@ -3448,7 +3454,7 @@
         </p:nvSpPr>
         <p:spPr>
           <a:xfrm>
-            <a:off x="965200" y="4572002"/>
+            <a:off x="965200" y="5091703"/>
             <a:ext cx="10261600" cy="1202995"/>
           </a:xfrm>
         </p:spPr>
@@ -3460,7 +3466,7 @@
           <a:p>
             <a:pPr algn="l"/>
             <a:r>
-              <a:rPr lang="en-GB" sz="3200"/>
+              <a:rPr lang="en-GB" sz="3200" dirty="0"/>
               <a:t>Stuart Keith, Matthew Holmes, Alistair McCulloch</a:t>
             </a:r>
           </a:p>
@@ -4004,26 +4010,26 @@
               <a:buNone/>
             </a:pPr>
             <a:r>
-              <a:rPr lang="en-GB" sz="2000"/>
+              <a:rPr lang="en-GB" sz="2000" dirty="0"/>
               <a:t>We as a team have developed a web-based application featuring the following:</a:t>
             </a:r>
           </a:p>
           <a:p>
             <a:r>
-              <a:rPr lang="en-GB" sz="2000"/>
+              <a:rPr lang="en-GB" sz="2000" dirty="0"/>
               <a:t>A login/signup page</a:t>
             </a:r>
           </a:p>
           <a:p>
             <a:r>
-              <a:rPr lang="en-GB" sz="2000"/>
+              <a:rPr lang="en-GB" sz="2000" dirty="0"/>
               <a:t>A page for users to add and filter through data to a list</a:t>
             </a:r>
           </a:p>
           <a:p>
             <a:r>
-              <a:rPr lang="en-GB" sz="2000"/>
-              <a:t>A photo scanner to recognise an animal using an image uploaded by the user </a:t>
+              <a:rPr lang="en-GB" sz="2000" dirty="0"/>
+              <a:t>A photo scanner to recognise an animal using an image uploaded by the user (Further implementation needed)</a:t>
             </a:r>
           </a:p>
         </p:txBody>
@@ -4068,7 +4074,7 @@
       </p:grpSpPr>
       <p:sp useBgFill="1">
         <p:nvSpPr>
-          <p:cNvPr id="9" name="Slide Background">
+          <p:cNvPr id="1031" name="Slide Background">
             <a:extLst>
               <a:ext uri="{FF2B5EF4-FFF2-40B4-BE49-F238E27FC236}">
                 <a16:creationId xmlns:a16="http://schemas.microsoft.com/office/drawing/2014/main" id="{3ECBE1F1-D69B-4AFA-ABD5-8E41720EF6DE}"/>
@@ -4128,24 +4134,30 @@
       </p:sp>
       <p:pic>
         <p:nvPicPr>
-          <p:cNvPr id="5" name="Picture 4" descr="Fox behind plants">
-            <a:extLst>
-              <a:ext uri="{FF2B5EF4-FFF2-40B4-BE49-F238E27FC236}">
-                <a16:creationId xmlns:a16="http://schemas.microsoft.com/office/drawing/2014/main" id="{91EF054B-CC8F-6DC9-A932-62A086BAF89F}"/>
+          <p:cNvPr id="1026" name="Picture 2" descr="A map of a country with a route&#10;&#10;AI-generated content may be incorrect.">
+            <a:extLst>
+              <a:ext uri="{FF2B5EF4-FFF2-40B4-BE49-F238E27FC236}">
+                <a16:creationId xmlns:a16="http://schemas.microsoft.com/office/drawing/2014/main" id="{769ABB03-6682-6C60-647B-F151FDF1F847}"/>
               </a:ext>
             </a:extLst>
           </p:cNvPr>
           <p:cNvPicPr>
-            <a:picLocks noChangeAspect="1"/>
+            <a:picLocks noChangeAspect="1" noChangeArrowheads="1"/>
           </p:cNvPicPr>
           <p:nvPr/>
         </p:nvPicPr>
         <p:blipFill>
-          <a:blip r:embed="rId2"/>
-          <a:srcRect l="11646" r="35694" b="-2"/>
+          <a:blip r:embed="rId2">
+            <a:extLst>
+              <a:ext uri="{28A0092B-C50C-407E-A947-70E740481C1C}">
+                <a14:useLocalDpi xmlns:a14="http://schemas.microsoft.com/office/drawing/2010/main" val="0"/>
+              </a:ext>
+            </a:extLst>
+          </a:blip>
+          <a:srcRect l="1696"/>
           <a:stretch/>
         </p:blipFill>
-        <p:spPr>
+        <p:spPr bwMode="auto">
           <a:xfrm>
             <a:off x="-1" y="-2"/>
             <a:ext cx="5410198" cy="6858002"/>
@@ -4153,11 +4165,21 @@
           <a:prstGeom prst="rect">
             <a:avLst/>
           </a:prstGeom>
+          <a:noFill/>
+          <a:extLst>
+            <a:ext uri="{909E8E84-426E-40DD-AFC4-6F175D3DCCD1}">
+              <a14:hiddenFill xmlns:a14="http://schemas.microsoft.com/office/drawing/2010/main">
+                <a:solidFill>
+                  <a:srgbClr val="FFFFFF"/>
+                </a:solidFill>
+              </a14:hiddenFill>
+            </a:ext>
+          </a:extLst>
         </p:spPr>
       </p:pic>
       <p:sp useBgFill="1">
         <p:nvSpPr>
-          <p:cNvPr id="11" name="Rectangle 10">
+          <p:cNvPr id="1033" name="Rectangle 1032">
             <a:extLst>
               <a:ext uri="{FF2B5EF4-FFF2-40B4-BE49-F238E27FC236}">
                 <a16:creationId xmlns:a16="http://schemas.microsoft.com/office/drawing/2014/main" id="{603A6265-E10C-4B85-9C20-E75FCAF9CC63}"/>
@@ -4227,7 +4249,7 @@
           <p:cNvPr id="2" name="Title 1">
             <a:extLst>
               <a:ext uri="{FF2B5EF4-FFF2-40B4-BE49-F238E27FC236}">
-                <a16:creationId xmlns:a16="http://schemas.microsoft.com/office/drawing/2014/main" id="{117348F9-604A-C8C2-DD0A-DCF8427B9329}"/>
+                <a16:creationId xmlns:a16="http://schemas.microsoft.com/office/drawing/2014/main" id="{40AE6195-B079-BF1D-D90F-5FEF89D0880E}"/>
               </a:ext>
             </a:extLst>
           </p:cNvPr>
@@ -4251,8 +4273,8 @@
           <a:lstStyle/>
           <a:p>
             <a:r>
-              <a:rPr lang="en-GB" sz="4000" dirty="0"/>
-              <a:t>Practical Demonstration</a:t>
+              <a:rPr lang="en-GB" sz="4000"/>
+              <a:t>Location Data</a:t>
             </a:r>
           </a:p>
         </p:txBody>
@@ -4262,7 +4284,7 @@
           <p:cNvPr id="3" name="Content Placeholder 2">
             <a:extLst>
               <a:ext uri="{FF2B5EF4-FFF2-40B4-BE49-F238E27FC236}">
-                <a16:creationId xmlns:a16="http://schemas.microsoft.com/office/drawing/2014/main" id="{50D6F537-09E1-C68D-150C-DEB56D0AA829}"/>
+                <a16:creationId xmlns:a16="http://schemas.microsoft.com/office/drawing/2014/main" id="{C5E28FE9-EA92-C6DC-FA31-E024B0B1A60C}"/>
               </a:ext>
             </a:extLst>
           </p:cNvPr>
@@ -4285,12 +4307,25 @@
           </a:bodyPr>
           <a:lstStyle/>
           <a:p>
-            <a:pPr marL="0" indent="0">
-              <a:buNone/>
-            </a:pPr>
             <a:r>
               <a:rPr lang="en-GB" sz="2000" dirty="0"/>
-              <a:t>We will now give a practical demonstration of our project to showcase some of the amazing features we have included.</a:t>
+              <a:t>Location is found using the integrated geolocation in browsers that support it, this returns the users Longitude and Latitude</a:t>
+            </a:r>
+          </a:p>
+          <a:p>
+            <a:r>
+              <a:rPr lang="en-GB" sz="2000" dirty="0" err="1"/>
+              <a:t>Geoapify</a:t>
+            </a:r>
+            <a:r>
+              <a:rPr lang="en-GB" sz="2000" dirty="0"/>
+              <a:t> Location Platform is the API we chose to use. Using this API and the user's data we used the APIs reverse geolocation to get a general user Location</a:t>
+            </a:r>
+          </a:p>
+          <a:p>
+            <a:r>
+              <a:rPr lang="en-GB" sz="2000" dirty="0"/>
+              <a:t>Google maps API would’ve worked but they wanted credit card information</a:t>
             </a:r>
           </a:p>
         </p:txBody>
@@ -4298,7 +4333,7 @@
     </p:spTree>
     <p:extLst>
       <p:ext uri="{BB962C8B-B14F-4D97-AF65-F5344CB8AC3E}">
-        <p14:creationId xmlns:p14="http://schemas.microsoft.com/office/powerpoint/2010/main" val="3645191394"/>
+        <p14:creationId xmlns:p14="http://schemas.microsoft.com/office/powerpoint/2010/main" val="1181993308"/>
       </p:ext>
     </p:extLst>
   </p:cSld>
@@ -4311,6 +4346,14 @@
 <file path=ppt/slides/slide5.xml><?xml version="1.0" encoding="utf-8"?>
 <p:sld xmlns:a="http://schemas.openxmlformats.org/drawingml/2006/main" xmlns:r="http://schemas.openxmlformats.org/officeDocument/2006/relationships" xmlns:p="http://schemas.openxmlformats.org/presentationml/2006/main">
   <p:cSld>
+    <p:bg>
+      <p:bgPr>
+        <a:solidFill>
+          <a:schemeClr val="bg1"/>
+        </a:solidFill>
+        <a:effectLst/>
+      </p:bgPr>
+    </p:bg>
     <p:spTree>
       <p:nvGrpSpPr>
         <p:cNvPr id="1" name=""/>
@@ -4325,12 +4368,139 @@
           <a:chExt cx="0" cy="0"/>
         </a:xfrm>
       </p:grpSpPr>
+      <p:sp useBgFill="1">
+        <p:nvSpPr>
+          <p:cNvPr id="2055" name="Slide Background">
+            <a:extLst>
+              <a:ext uri="{FF2B5EF4-FFF2-40B4-BE49-F238E27FC236}">
+                <a16:creationId xmlns:a16="http://schemas.microsoft.com/office/drawing/2014/main" id="{B210AC1D-4063-4C6E-9528-FA9C4C0C18E6}"/>
+              </a:ext>
+              <a:ext uri="{C183D7F6-B498-43B3-948B-1728B52AA6E4}">
+                <adec:decorative xmlns:adec="http://schemas.microsoft.com/office/drawing/2017/decorative" val="1"/>
+              </a:ext>
+            </a:extLst>
+          </p:cNvPr>
+          <p:cNvSpPr>
+            <a:spLocks noGrp="1" noRot="1" noChangeAspect="1" noMove="1" noResize="1" noEditPoints="1" noAdjustHandles="1" noChangeArrowheads="1" noChangeShapeType="1" noTextEdit="1"/>
+          </p:cNvSpPr>
+          <p:nvPr>
+            <p:extLst>
+              <p:ext uri="{386F3935-93C4-4BCD-93E2-E3B085C9AB24}">
+                <p16:designElem xmlns:p16="http://schemas.microsoft.com/office/powerpoint/2015/main" val="1"/>
+              </p:ext>
+            </p:extLst>
+          </p:nvPr>
+        </p:nvSpPr>
+        <p:spPr>
+          <a:xfrm>
+            <a:off x="0" y="0"/>
+            <a:ext cx="12192000" cy="6858000"/>
+          </a:xfrm>
+          <a:prstGeom prst="rect">
+            <a:avLst/>
+          </a:prstGeom>
+          <a:ln>
+            <a:noFill/>
+          </a:ln>
+        </p:spPr>
+        <p:style>
+          <a:lnRef idx="2">
+            <a:schemeClr val="accent1">
+              <a:shade val="50000"/>
+            </a:schemeClr>
+          </a:lnRef>
+          <a:fillRef idx="1">
+            <a:schemeClr val="accent1"/>
+          </a:fillRef>
+          <a:effectRef idx="0">
+            <a:schemeClr val="accent1"/>
+          </a:effectRef>
+          <a:fontRef idx="minor">
+            <a:schemeClr val="lt1"/>
+          </a:fontRef>
+        </p:style>
+        <p:txBody>
+          <a:bodyPr rtlCol="0" anchor="ctr"/>
+          <a:lstStyle/>
+          <a:p>
+            <a:pPr algn="ctr"/>
+            <a:endParaRPr lang="en-US"/>
+          </a:p>
+        </p:txBody>
+      </p:sp>
+      <p:sp useBgFill="1">
+        <p:nvSpPr>
+          <p:cNvPr id="2057" name="Rectangle 2056">
+            <a:extLst>
+              <a:ext uri="{FF2B5EF4-FFF2-40B4-BE49-F238E27FC236}">
+                <a16:creationId xmlns:a16="http://schemas.microsoft.com/office/drawing/2014/main" id="{02F8C595-E68C-4306-AED8-DC7826A0A506}"/>
+              </a:ext>
+              <a:ext uri="{C183D7F6-B498-43B3-948B-1728B52AA6E4}">
+                <adec:decorative xmlns:adec="http://schemas.microsoft.com/office/drawing/2017/decorative" val="1"/>
+              </a:ext>
+            </a:extLst>
+          </p:cNvPr>
+          <p:cNvSpPr>
+            <a:spLocks noGrp="1" noRot="1" noChangeAspect="1" noMove="1" noResize="1" noEditPoints="1" noAdjustHandles="1" noChangeArrowheads="1" noChangeShapeType="1" noTextEdit="1"/>
+          </p:cNvSpPr>
+          <p:nvPr>
+            <p:extLst>
+              <p:ext uri="{386F3935-93C4-4BCD-93E2-E3B085C9AB24}">
+                <p16:designElem xmlns:p16="http://schemas.microsoft.com/office/powerpoint/2015/main" val="1"/>
+              </p:ext>
+            </p:extLst>
+          </p:nvPr>
+        </p:nvSpPr>
+        <p:spPr>
+          <a:xfrm>
+            <a:off x="0" y="0"/>
+            <a:ext cx="11416414" cy="6858000"/>
+          </a:xfrm>
+          <a:prstGeom prst="rect">
+            <a:avLst/>
+          </a:prstGeom>
+          <a:ln>
+            <a:noFill/>
+          </a:ln>
+          <a:effectLst>
+            <a:outerShdw blurRad="889000" dist="406400" dir="21540000" sx="90000" sy="90000" algn="t" rotWithShape="0">
+              <a:srgbClr val="000000">
+                <a:alpha val="20000"/>
+              </a:srgbClr>
+            </a:outerShdw>
+          </a:effectLst>
+        </p:spPr>
+        <p:style>
+          <a:lnRef idx="2">
+            <a:schemeClr val="accent1">
+              <a:shade val="50000"/>
+            </a:schemeClr>
+          </a:lnRef>
+          <a:fillRef idx="1">
+            <a:schemeClr val="accent1"/>
+          </a:fillRef>
+          <a:effectRef idx="0">
+            <a:schemeClr val="accent1"/>
+          </a:effectRef>
+          <a:fontRef idx="minor">
+            <a:schemeClr val="lt1"/>
+          </a:fontRef>
+        </p:style>
+        <p:txBody>
+          <a:bodyPr rtlCol="0" anchor="ctr"/>
+          <a:lstStyle/>
+          <a:p>
+            <a:pPr algn="ctr"/>
+            <a:endParaRPr lang="en-US"/>
+          </a:p>
+        </p:txBody>
+      </p:sp>
       <p:sp>
         <p:nvSpPr>
           <p:cNvPr id="2" name="Title 1">
             <a:extLst>
               <a:ext uri="{FF2B5EF4-FFF2-40B4-BE49-F238E27FC236}">
-                <a16:creationId xmlns:a16="http://schemas.microsoft.com/office/drawing/2014/main" id="{D9045544-98C3-53D3-9660-08A8DDCBFC84}"/>
+                <a16:creationId xmlns:a16="http://schemas.microsoft.com/office/drawing/2014/main" id="{61798AD0-524A-FAC0-D786-E5738FFD7CA5}"/>
               </a:ext>
             </a:extLst>
           </p:cNvPr>
@@ -4341,21 +4511,84 @@
             <p:ph type="title"/>
           </p:nvPr>
         </p:nvSpPr>
-        <p:spPr/>
-        <p:txBody>
-          <a:bodyPr/>
-          <a:lstStyle/>
-          <a:p>
-            <a:endParaRPr lang="en-GB" dirty="0"/>
-          </a:p>
-        </p:txBody>
-      </p:sp>
+        <p:spPr>
+          <a:xfrm>
+            <a:off x="6524090" y="762001"/>
+            <a:ext cx="4435831" cy="1708244"/>
+          </a:xfrm>
+        </p:spPr>
+        <p:txBody>
+          <a:bodyPr anchor="ctr">
+            <a:normAutofit/>
+          </a:bodyPr>
+          <a:lstStyle/>
+          <a:p>
+            <a:r>
+              <a:rPr lang="en-GB" sz="3700" dirty="0"/>
+              <a:t>AI for species Identification </a:t>
+            </a:r>
+            <a:br>
+              <a:rPr lang="en-GB" sz="3700" dirty="0"/>
+            </a:br>
+            <a:r>
+              <a:rPr lang="en-GB" sz="3100" dirty="0"/>
+              <a:t>(Further work Needed)</a:t>
+            </a:r>
+            <a:endParaRPr lang="en-GB" sz="3700" dirty="0"/>
+          </a:p>
+        </p:txBody>
+      </p:sp>
+      <p:pic>
+        <p:nvPicPr>
+          <p:cNvPr id="2050" name="Picture 2" descr="How Artificial Intelligence (AI) Is Used In Biometrics">
+            <a:extLst>
+              <a:ext uri="{FF2B5EF4-FFF2-40B4-BE49-F238E27FC236}">
+                <a16:creationId xmlns:a16="http://schemas.microsoft.com/office/drawing/2014/main" id="{698C40D2-6ABE-CBDD-3FE4-3B03C78E440E}"/>
+              </a:ext>
+            </a:extLst>
+          </p:cNvPr>
+          <p:cNvPicPr>
+            <a:picLocks noChangeAspect="1" noChangeArrowheads="1"/>
+          </p:cNvPicPr>
+          <p:nvPr/>
+        </p:nvPicPr>
+        <p:blipFill rotWithShape="1">
+          <a:blip r:embed="rId2">
+            <a:extLst>
+              <a:ext uri="{28A0092B-C50C-407E-A947-70E740481C1C}">
+                <a14:useLocalDpi xmlns:a14="http://schemas.microsoft.com/office/drawing/2010/main" val="0"/>
+              </a:ext>
+            </a:extLst>
+          </a:blip>
+          <a:srcRect l="6864" r="41358" b="-2"/>
+          <a:stretch/>
+        </p:blipFill>
+        <p:spPr bwMode="auto">
+          <a:xfrm>
+            <a:off x="-1" y="-2"/>
+            <a:ext cx="5774077" cy="6858002"/>
+          </a:xfrm>
+          <a:prstGeom prst="rect">
+            <a:avLst/>
+          </a:prstGeom>
+          <a:noFill/>
+          <a:extLst>
+            <a:ext uri="{909E8E84-426E-40DD-AFC4-6F175D3DCCD1}">
+              <a14:hiddenFill xmlns:a14="http://schemas.microsoft.com/office/drawing/2010/main">
+                <a:solidFill>
+                  <a:srgbClr val="FFFFFF"/>
+                </a:solidFill>
+              </a14:hiddenFill>
+            </a:ext>
+          </a:extLst>
+        </p:spPr>
+      </p:pic>
       <p:sp>
         <p:nvSpPr>
           <p:cNvPr id="3" name="Content Placeholder 2">
             <a:extLst>
               <a:ext uri="{FF2B5EF4-FFF2-40B4-BE49-F238E27FC236}">
-                <a16:creationId xmlns:a16="http://schemas.microsoft.com/office/drawing/2014/main" id="{4C050B15-CB58-B936-EDDB-29F1CB26AC34}"/>
+                <a16:creationId xmlns:a16="http://schemas.microsoft.com/office/drawing/2014/main" id="{E354A25D-021A-C56C-7C73-2258FA28BBA1}"/>
               </a:ext>
             </a:extLst>
           </p:cNvPr>
@@ -4366,17 +4599,47 @@
             <p:ph idx="1"/>
           </p:nvPr>
         </p:nvSpPr>
-        <p:spPr/>
-        <p:txBody>
-          <a:bodyPr/>
-          <a:lstStyle/>
-          <a:p>
-            <a:pPr marL="0" indent="0">
-              <a:buNone/>
-            </a:pPr>
-            <a:r>
-              <a:rPr lang="en-GB" dirty="0"/>
-              <a:t>And with your help, together we can save the wildlife!</a:t>
+        <p:spPr>
+          <a:xfrm>
+            <a:off x="6417926" y="2470245"/>
+            <a:ext cx="4541995" cy="3769835"/>
+          </a:xfrm>
+        </p:spPr>
+        <p:txBody>
+          <a:bodyPr anchor="ctr">
+            <a:normAutofit/>
+          </a:bodyPr>
+          <a:lstStyle/>
+          <a:p>
+            <a:r>
+              <a:rPr lang="en-GB" sz="2000" dirty="0"/>
+              <a:t>Use of </a:t>
+            </a:r>
+            <a:r>
+              <a:rPr lang="en-GB" sz="2000" dirty="0" err="1"/>
+              <a:t>Javascript</a:t>
+            </a:r>
+            <a:r>
+              <a:rPr lang="en-GB" sz="2000" dirty="0"/>
+              <a:t> libraries P5.js and ML5.js</a:t>
+            </a:r>
+          </a:p>
+          <a:p>
+            <a:r>
+              <a:rPr lang="en-GB" sz="2000" dirty="0"/>
+              <a:t>ML5.js would process and identify based on the image</a:t>
+            </a:r>
+          </a:p>
+          <a:p>
+            <a:r>
+              <a:rPr lang="en-GB" sz="2000" dirty="0"/>
+              <a:t>P5.js would display the image on the page</a:t>
+            </a:r>
+          </a:p>
+          <a:p>
+            <a:r>
+              <a:rPr lang="en-GB" sz="2000" dirty="0"/>
+              <a:t>Mobile Net is a lightweight dataset we would use, not the most advanced but it’s free</a:t>
             </a:r>
           </a:p>
         </p:txBody>
@@ -4384,7 +4647,7 @@
     </p:spTree>
     <p:extLst>
       <p:ext uri="{BB962C8B-B14F-4D97-AF65-F5344CB8AC3E}">
-        <p14:creationId xmlns:p14="http://schemas.microsoft.com/office/powerpoint/2010/main" val="3181379997"/>
+        <p14:creationId xmlns:p14="http://schemas.microsoft.com/office/powerpoint/2010/main" val="2940867210"/>
       </p:ext>
     </p:extLst>
   </p:cSld>
@@ -4419,6 +4682,278 @@
           <a:chExt cx="0" cy="0"/>
         </a:xfrm>
       </p:grpSpPr>
+      <p:sp useBgFill="1">
+        <p:nvSpPr>
+          <p:cNvPr id="9" name="Slide Background">
+            <a:extLst>
+              <a:ext uri="{FF2B5EF4-FFF2-40B4-BE49-F238E27FC236}">
+                <a16:creationId xmlns:a16="http://schemas.microsoft.com/office/drawing/2014/main" id="{3ECBE1F1-D69B-4AFA-ABD5-8E41720EF6DE}"/>
+              </a:ext>
+              <a:ext uri="{C183D7F6-B498-43B3-948B-1728B52AA6E4}">
+                <adec:decorative xmlns:adec="http://schemas.microsoft.com/office/drawing/2017/decorative" val="1"/>
+              </a:ext>
+            </a:extLst>
+          </p:cNvPr>
+          <p:cNvSpPr>
+            <a:spLocks noGrp="1" noRot="1" noChangeAspect="1" noMove="1" noResize="1" noEditPoints="1" noAdjustHandles="1" noChangeArrowheads="1" noChangeShapeType="1" noTextEdit="1"/>
+          </p:cNvSpPr>
+          <p:nvPr>
+            <p:extLst>
+              <p:ext uri="{386F3935-93C4-4BCD-93E2-E3B085C9AB24}">
+                <p16:designElem xmlns:p16="http://schemas.microsoft.com/office/powerpoint/2015/main" val="1"/>
+              </p:ext>
+            </p:extLst>
+          </p:nvPr>
+        </p:nvSpPr>
+        <p:spPr>
+          <a:xfrm>
+            <a:off x="0" y="0"/>
+            <a:ext cx="12192000" cy="6858000"/>
+          </a:xfrm>
+          <a:prstGeom prst="rect">
+            <a:avLst/>
+          </a:prstGeom>
+          <a:ln>
+            <a:noFill/>
+          </a:ln>
+        </p:spPr>
+        <p:style>
+          <a:lnRef idx="2">
+            <a:schemeClr val="accent1">
+              <a:shade val="50000"/>
+            </a:schemeClr>
+          </a:lnRef>
+          <a:fillRef idx="1">
+            <a:schemeClr val="accent1"/>
+          </a:fillRef>
+          <a:effectRef idx="0">
+            <a:schemeClr val="accent1"/>
+          </a:effectRef>
+          <a:fontRef idx="minor">
+            <a:schemeClr val="lt1"/>
+          </a:fontRef>
+        </p:style>
+        <p:txBody>
+          <a:bodyPr rtlCol="0" anchor="ctr"/>
+          <a:lstStyle/>
+          <a:p>
+            <a:pPr algn="ctr"/>
+            <a:endParaRPr lang="en-US"/>
+          </a:p>
+        </p:txBody>
+      </p:sp>
+      <p:pic>
+        <p:nvPicPr>
+          <p:cNvPr id="5" name="Picture 4" descr="Fox behind plants">
+            <a:extLst>
+              <a:ext uri="{FF2B5EF4-FFF2-40B4-BE49-F238E27FC236}">
+                <a16:creationId xmlns:a16="http://schemas.microsoft.com/office/drawing/2014/main" id="{91EF054B-CC8F-6DC9-A932-62A086BAF89F}"/>
+              </a:ext>
+            </a:extLst>
+          </p:cNvPr>
+          <p:cNvPicPr>
+            <a:picLocks noChangeAspect="1"/>
+          </p:cNvPicPr>
+          <p:nvPr/>
+        </p:nvPicPr>
+        <p:blipFill>
+          <a:blip r:embed="rId2"/>
+          <a:srcRect l="11646" r="35694" b="-2"/>
+          <a:stretch/>
+        </p:blipFill>
+        <p:spPr>
+          <a:xfrm>
+            <a:off x="-1" y="-2"/>
+            <a:ext cx="5410198" cy="6858002"/>
+          </a:xfrm>
+          <a:prstGeom prst="rect">
+            <a:avLst/>
+          </a:prstGeom>
+        </p:spPr>
+      </p:pic>
+      <p:sp useBgFill="1">
+        <p:nvSpPr>
+          <p:cNvPr id="11" name="Rectangle 10">
+            <a:extLst>
+              <a:ext uri="{FF2B5EF4-FFF2-40B4-BE49-F238E27FC236}">
+                <a16:creationId xmlns:a16="http://schemas.microsoft.com/office/drawing/2014/main" id="{603A6265-E10C-4B85-9C20-E75FCAF9CC63}"/>
+              </a:ext>
+              <a:ext uri="{C183D7F6-B498-43B3-948B-1728B52AA6E4}">
+                <adec:decorative xmlns:adec="http://schemas.microsoft.com/office/drawing/2017/decorative" val="1"/>
+              </a:ext>
+            </a:extLst>
+          </p:cNvPr>
+          <p:cNvSpPr>
+            <a:spLocks noGrp="1" noRot="1" noChangeAspect="1" noMove="1" noResize="1" noEditPoints="1" noAdjustHandles="1" noChangeArrowheads="1" noChangeShapeType="1" noTextEdit="1"/>
+          </p:cNvSpPr>
+          <p:nvPr>
+            <p:extLst>
+              <p:ext uri="{386F3935-93C4-4BCD-93E2-E3B085C9AB24}">
+                <p16:designElem xmlns:p16="http://schemas.microsoft.com/office/powerpoint/2015/main" val="1"/>
+              </p:ext>
+            </p:extLst>
+          </p:nvPr>
+        </p:nvSpPr>
+        <p:spPr>
+          <a:xfrm>
+            <a:off x="5410197" y="-1"/>
+            <a:ext cx="6781802" cy="2286000"/>
+          </a:xfrm>
+          <a:prstGeom prst="rect">
+            <a:avLst/>
+          </a:prstGeom>
+          <a:ln>
+            <a:noFill/>
+          </a:ln>
+          <a:effectLst>
+            <a:outerShdw blurRad="355600" dist="152400" sx="95000" sy="95000" algn="t" rotWithShape="0">
+              <a:srgbClr val="000000">
+                <a:alpha val="29000"/>
+              </a:srgbClr>
+            </a:outerShdw>
+          </a:effectLst>
+        </p:spPr>
+        <p:style>
+          <a:lnRef idx="2">
+            <a:schemeClr val="accent1">
+              <a:shade val="50000"/>
+            </a:schemeClr>
+          </a:lnRef>
+          <a:fillRef idx="1">
+            <a:schemeClr val="accent1"/>
+          </a:fillRef>
+          <a:effectRef idx="0">
+            <a:schemeClr val="accent1"/>
+          </a:effectRef>
+          <a:fontRef idx="minor">
+            <a:schemeClr val="lt1"/>
+          </a:fontRef>
+        </p:style>
+        <p:txBody>
+          <a:bodyPr rtlCol="0" anchor="ctr"/>
+          <a:lstStyle/>
+          <a:p>
+            <a:pPr algn="ctr"/>
+            <a:endParaRPr lang="en-US"/>
+          </a:p>
+        </p:txBody>
+      </p:sp>
+      <p:sp>
+        <p:nvSpPr>
+          <p:cNvPr id="2" name="Title 1">
+            <a:extLst>
+              <a:ext uri="{FF2B5EF4-FFF2-40B4-BE49-F238E27FC236}">
+                <a16:creationId xmlns:a16="http://schemas.microsoft.com/office/drawing/2014/main" id="{117348F9-604A-C8C2-DD0A-DCF8427B9329}"/>
+              </a:ext>
+            </a:extLst>
+          </p:cNvPr>
+          <p:cNvSpPr>
+            <a:spLocks noGrp="1"/>
+          </p:cNvSpPr>
+          <p:nvPr>
+            <p:ph type="title"/>
+          </p:nvPr>
+        </p:nvSpPr>
+        <p:spPr>
+          <a:xfrm>
+            <a:off x="6115317" y="405685"/>
+            <a:ext cx="5464968" cy="1559301"/>
+          </a:xfrm>
+        </p:spPr>
+        <p:txBody>
+          <a:bodyPr>
+            <a:normAutofit/>
+          </a:bodyPr>
+          <a:lstStyle/>
+          <a:p>
+            <a:r>
+              <a:rPr lang="en-GB" sz="4000" dirty="0"/>
+              <a:t>Practical Demonstration</a:t>
+            </a:r>
+          </a:p>
+        </p:txBody>
+      </p:sp>
+      <p:sp>
+        <p:nvSpPr>
+          <p:cNvPr id="3" name="Content Placeholder 2">
+            <a:extLst>
+              <a:ext uri="{FF2B5EF4-FFF2-40B4-BE49-F238E27FC236}">
+                <a16:creationId xmlns:a16="http://schemas.microsoft.com/office/drawing/2014/main" id="{50D6F537-09E1-C68D-150C-DEB56D0AA829}"/>
+              </a:ext>
+            </a:extLst>
+          </p:cNvPr>
+          <p:cNvSpPr>
+            <a:spLocks noGrp="1"/>
+          </p:cNvSpPr>
+          <p:nvPr>
+            <p:ph idx="1"/>
+          </p:nvPr>
+        </p:nvSpPr>
+        <p:spPr>
+          <a:xfrm>
+            <a:off x="6115317" y="2743200"/>
+            <a:ext cx="5247340" cy="3496878"/>
+          </a:xfrm>
+        </p:spPr>
+        <p:txBody>
+          <a:bodyPr anchor="ctr">
+            <a:normAutofit/>
+          </a:bodyPr>
+          <a:lstStyle/>
+          <a:p>
+            <a:pPr marL="0" indent="0">
+              <a:buNone/>
+            </a:pPr>
+            <a:r>
+              <a:rPr lang="en-GB" sz="2000" dirty="0"/>
+              <a:t>We will now give a short demo of </a:t>
+            </a:r>
+            <a:r>
+              <a:rPr lang="en-GB" sz="2000"/>
+              <a:t>the project so far.</a:t>
+            </a:r>
+            <a:endParaRPr lang="en-GB" sz="2000" dirty="0"/>
+          </a:p>
+        </p:txBody>
+      </p:sp>
+    </p:spTree>
+    <p:extLst>
+      <p:ext uri="{BB962C8B-B14F-4D97-AF65-F5344CB8AC3E}">
+        <p14:creationId xmlns:p14="http://schemas.microsoft.com/office/powerpoint/2010/main" val="3645191394"/>
+      </p:ext>
+    </p:extLst>
+  </p:cSld>
+  <p:clrMapOvr>
+    <a:masterClrMapping/>
+  </p:clrMapOvr>
+</p:sld>
+</file>
+
+<file path=ppt/slides/slide7.xml><?xml version="1.0" encoding="utf-8"?>
+<p:sld xmlns:a="http://schemas.openxmlformats.org/drawingml/2006/main" xmlns:r="http://schemas.openxmlformats.org/officeDocument/2006/relationships" xmlns:p="http://schemas.openxmlformats.org/presentationml/2006/main">
+  <p:cSld>
+    <p:bg>
+      <p:bgPr>
+        <a:solidFill>
+          <a:schemeClr val="bg1"/>
+        </a:solidFill>
+        <a:effectLst/>
+      </p:bgPr>
+    </p:bg>
+    <p:spTree>
+      <p:nvGrpSpPr>
+        <p:cNvPr id="1" name=""/>
+        <p:cNvGrpSpPr/>
+        <p:nvPr/>
+      </p:nvGrpSpPr>
+      <p:grpSpPr>
+        <a:xfrm>
+          <a:off x="0" y="0"/>
+          <a:ext cx="0" cy="0"/>
+          <a:chOff x="0" y="0"/>
+          <a:chExt cx="0" cy="0"/>
+        </a:xfrm>
+      </p:grpSpPr>
       <p:pic>
         <p:nvPicPr>
           <p:cNvPr id="5" name="Picture 4" descr="Owls bonding together">
@@ -4489,7 +5024,7 @@
                 </a:ln>
                 <a:noFill/>
               </a:rPr>
-              <a:t>And with your help, together we can save the wildlife!</a:t>
+              <a:t>You can help researchers with your data submissions!</a:t>
             </a:r>
             <a:br>
               <a:rPr lang="en-GB" sz="6300" dirty="0">
